--- a/Documentation/DFD of EV DYNAMIC PRICING.pptx
+++ b/Documentation/DFD of EV DYNAMIC PRICING.pptx
@@ -5729,56 +5729,6 @@
           </a:p>
         </p:txBody>
       </p:sp>
-      <p:sp>
-        <p:nvSpPr>
-          <p:cNvPr id="57" name="Google Shape;57;p13"/>
-          <p:cNvSpPr/>
-          <p:nvPr/>
-        </p:nvSpPr>
-        <p:spPr>
-          <a:xfrm>
-            <a:off x="7026547" y="4091691"/>
-            <a:ext cx="1106700" cy="405600"/>
-          </a:xfrm>
-          <a:prstGeom prst="rect">
-            <a:avLst/>
-          </a:prstGeom>
-          <a:solidFill>
-            <a:schemeClr val="lt2"/>
-          </a:solidFill>
-          <a:ln w="9525" cap="flat" cmpd="sng">
-            <a:solidFill>
-              <a:schemeClr val="dk2"/>
-            </a:solidFill>
-            <a:prstDash val="solid"/>
-            <a:round/>
-            <a:headEnd type="none" w="sm" len="sm"/>
-            <a:tailEnd type="none" w="sm" len="sm"/>
-          </a:ln>
-        </p:spPr>
-        <p:txBody>
-          <a:bodyPr spcFirstLastPara="1" wrap="square" lIns="91425" tIns="91425" rIns="91425" bIns="91425" anchor="ctr" anchorCtr="0">
-            <a:noAutofit/>
-          </a:bodyPr>
-          <a:lstStyle/>
-          <a:p>
-            <a:pPr marL="0" lvl="0" indent="0" algn="ctr" rtl="0">
-              <a:spcBef>
-                <a:spcPts val="0"/>
-              </a:spcBef>
-              <a:spcAft>
-                <a:spcPts val="0"/>
-              </a:spcAft>
-              <a:buNone/>
-            </a:pPr>
-            <a:r>
-              <a:rPr lang="en"/>
-              <a:t>POWER PLANT</a:t>
-            </a:r>
-            <a:endParaRPr/>
-          </a:p>
-        </p:txBody>
-      </p:sp>
       <p:cxnSp>
         <p:nvCxnSpPr>
           <p:cNvPr id="58" name="Google Shape;58;p13"/>
@@ -5796,37 +5746,6 @@
           <a:prstGeom prst="bentConnector3">
             <a:avLst>
               <a:gd name="adj1" fmla="val 50004"/>
-            </a:avLst>
-          </a:prstGeom>
-          <a:noFill/>
-          <a:ln w="9525" cap="flat" cmpd="sng">
-            <a:solidFill>
-              <a:schemeClr val="dk2"/>
-            </a:solidFill>
-            <a:prstDash val="solid"/>
-            <a:round/>
-            <a:headEnd type="none" w="med" len="med"/>
-            <a:tailEnd type="triangle" w="med" len="med"/>
-          </a:ln>
-        </p:spPr>
-      </p:cxnSp>
-      <p:cxnSp>
-        <p:nvCxnSpPr>
-          <p:cNvPr id="59" name="Google Shape;59;p13"/>
-          <p:cNvCxnSpPr>
-            <a:stCxn id="56" idx="0"/>
-            <a:endCxn id="54" idx="1"/>
-          </p:cNvCxnSpPr>
-          <p:nvPr/>
-        </p:nvCxnSpPr>
-        <p:spPr>
-          <a:xfrm rot="-5400000">
-            <a:off x="2194297" y="970766"/>
-            <a:ext cx="343200" cy="2535300"/>
-          </a:xfrm>
-          <a:prstGeom prst="bentConnector3">
-            <a:avLst>
-              <a:gd name="adj1" fmla="val 284127"/>
             </a:avLst>
           </a:prstGeom>
           <a:noFill/>
@@ -5888,7 +5807,7 @@
           </a:xfrm>
           <a:prstGeom prst="bentConnector3">
             <a:avLst>
-              <a:gd name="adj1" fmla="val 131592"/>
+              <a:gd name="adj1" fmla="val 209427"/>
             </a:avLst>
           </a:prstGeom>
           <a:noFill/>
@@ -5903,48 +5822,6 @@
           </a:ln>
         </p:spPr>
       </p:cxnSp>
-      <p:sp>
-        <p:nvSpPr>
-          <p:cNvPr id="62" name="Google Shape;62;p13"/>
-          <p:cNvSpPr txBox="1"/>
-          <p:nvPr/>
-        </p:nvSpPr>
-        <p:spPr>
-          <a:xfrm>
-            <a:off x="2023247" y="1321241"/>
-            <a:ext cx="798300" cy="323100"/>
-          </a:xfrm>
-          <a:prstGeom prst="rect">
-            <a:avLst/>
-          </a:prstGeom>
-          <a:noFill/>
-          <a:ln>
-            <a:noFill/>
-          </a:ln>
-        </p:spPr>
-        <p:txBody>
-          <a:bodyPr spcFirstLastPara="1" wrap="square" lIns="91425" tIns="91425" rIns="91425" bIns="91425" anchor="t" anchorCtr="0">
-            <a:spAutoFit/>
-          </a:bodyPr>
-          <a:lstStyle/>
-          <a:p>
-            <a:pPr marL="0" lvl="0" indent="0" algn="l" rtl="0">
-              <a:spcBef>
-                <a:spcPts val="0"/>
-              </a:spcBef>
-              <a:spcAft>
-                <a:spcPts val="0"/>
-              </a:spcAft>
-              <a:buNone/>
-            </a:pPr>
-            <a:r>
-              <a:rPr lang="en" sz="900"/>
-              <a:t>REGISTER</a:t>
-            </a:r>
-            <a:endParaRPr sz="1500"/>
-          </a:p>
-        </p:txBody>
-      </p:sp>
       <p:sp>
         <p:nvSpPr>
           <p:cNvPr id="63" name="Google Shape;63;p13"/>
@@ -6037,8 +5914,8 @@
         </p:nvSpPr>
         <p:spPr>
           <a:xfrm>
-            <a:off x="2160597" y="1753104"/>
-            <a:ext cx="798300" cy="338700"/>
+            <a:off x="2223269" y="1448897"/>
+            <a:ext cx="672956" cy="338524"/>
           </a:xfrm>
           <a:prstGeom prst="rect">
             <a:avLst/>
@@ -6064,10 +5941,10 @@
               <a:buNone/>
             </a:pPr>
             <a:r>
-              <a:rPr lang="en" sz="1000"/>
+              <a:rPr lang="en" sz="1000" dirty="0"/>
               <a:t>PAY</a:t>
             </a:r>
-            <a:endParaRPr sz="1000"/>
+            <a:endParaRPr sz="1000" dirty="0"/>
           </a:p>
         </p:txBody>
       </p:sp>
@@ -6075,18 +5952,20 @@
         <p:nvCxnSpPr>
           <p:cNvPr id="66" name="Google Shape;66;p13"/>
           <p:cNvCxnSpPr>
-            <a:stCxn id="55" idx="1"/>
-            <a:endCxn id="54" idx="0"/>
+            <a:stCxn id="54" idx="6"/>
+            <a:endCxn id="78" idx="1"/>
           </p:cNvCxnSpPr>
           <p:nvPr/>
         </p:nvCxnSpPr>
         <p:spPr>
-          <a:xfrm flipH="1">
-            <a:off x="4234897" y="315816"/>
-            <a:ext cx="392700" cy="1524900"/>
+          <a:xfrm>
+            <a:off x="5085672" y="2612816"/>
+            <a:ext cx="2324200" cy="513650"/>
           </a:xfrm>
-          <a:prstGeom prst="bentConnector2">
-            <a:avLst/>
+          <a:prstGeom prst="bentConnector3">
+            <a:avLst>
+              <a:gd name="adj1" fmla="val 99952"/>
+            </a:avLst>
           </a:prstGeom>
           <a:noFill/>
           <a:ln w="9525" cap="flat" cmpd="sng">
@@ -6108,7 +5987,7 @@
         </p:nvSpPr>
         <p:spPr>
           <a:xfrm>
-            <a:off x="3639522" y="741216"/>
+            <a:off x="6056235" y="2373804"/>
             <a:ext cx="1191000" cy="461700"/>
           </a:xfrm>
           <a:prstGeom prst="rect">
@@ -6135,28 +6014,28 @@
               <a:buNone/>
             </a:pPr>
             <a:r>
-              <a:rPr lang="en" sz="900"/>
+              <a:rPr lang="en" sz="900" dirty="0"/>
               <a:t>PRICING STRATEGY</a:t>
             </a:r>
-            <a:endParaRPr sz="900"/>
+            <a:endParaRPr sz="900" dirty="0"/>
           </a:p>
         </p:txBody>
       </p:sp>
       <p:cxnSp>
         <p:nvCxnSpPr>
           <p:cNvPr id="68" name="Google Shape;68;p13"/>
-          <p:cNvCxnSpPr/>
+          <p:cNvCxnSpPr>
+            <a:endCxn id="54" idx="0"/>
+          </p:cNvCxnSpPr>
           <p:nvPr/>
         </p:nvCxnSpPr>
         <p:spPr>
-          <a:xfrm rot="5400000">
-            <a:off x="4516747" y="838263"/>
-            <a:ext cx="1548300" cy="909000"/>
+          <a:xfrm rot="10800000" flipV="1">
+            <a:off x="4235023" y="518612"/>
+            <a:ext cx="1510375" cy="1322003"/>
           </a:xfrm>
-          <a:prstGeom prst="bentConnector3">
-            <a:avLst>
-              <a:gd name="adj1" fmla="val 50000"/>
-            </a:avLst>
+          <a:prstGeom prst="bentConnector2">
+            <a:avLst/>
           </a:prstGeom>
           <a:noFill/>
           <a:ln w="9525" cap="flat" cmpd="sng">
@@ -6178,7 +6057,7 @@
         </p:nvSpPr>
         <p:spPr>
           <a:xfrm>
-            <a:off x="4531222" y="1111566"/>
+            <a:off x="3509922" y="741216"/>
             <a:ext cx="1326600" cy="461700"/>
           </a:xfrm>
           <a:prstGeom prst="rect">
@@ -6205,10 +6084,10 @@
               <a:buNone/>
             </a:pPr>
             <a:r>
-              <a:rPr lang="en" sz="900"/>
+              <a:rPr lang="en" sz="900" dirty="0"/>
               <a:t>AVAILABLE CHARGING PORTS</a:t>
             </a:r>
-            <a:endParaRPr sz="900"/>
+            <a:endParaRPr sz="900" dirty="0"/>
           </a:p>
         </p:txBody>
       </p:sp>
@@ -6251,7 +6130,7 @@
         </p:nvSpPr>
         <p:spPr>
           <a:xfrm>
-            <a:off x="1247047" y="3902441"/>
+            <a:off x="1247047" y="3861166"/>
             <a:ext cx="2137200" cy="323100"/>
           </a:xfrm>
           <a:prstGeom prst="rect">
@@ -6278,10 +6157,14 @@
               <a:buNone/>
             </a:pPr>
             <a:r>
-              <a:rPr lang="en" sz="900"/>
-              <a:t>CHARGING STATION AVAILABILITY</a:t>
+              <a:rPr lang="en" sz="900" dirty="0"/>
+              <a:t>CHARGING </a:t>
             </a:r>
-            <a:endParaRPr sz="900"/>
+            <a:r>
+              <a:rPr lang="en" sz="900" dirty="0" smtClean="0"/>
+              <a:t>STATIONS DETAILS</a:t>
+            </a:r>
+            <a:endParaRPr sz="900" dirty="0"/>
           </a:p>
         </p:txBody>
       </p:sp>
@@ -6325,7 +6208,7 @@
         </p:nvSpPr>
         <p:spPr>
           <a:xfrm>
-            <a:off x="5708435" y="741216"/>
+            <a:off x="5874999" y="790407"/>
             <a:ext cx="1191000" cy="323100"/>
           </a:xfrm>
           <a:prstGeom prst="rect">
@@ -6352,154 +6235,10 @@
               <a:buNone/>
             </a:pPr>
             <a:r>
-              <a:rPr lang="en" sz="900"/>
+              <a:rPr lang="en" sz="900" dirty="0"/>
               <a:t>PER DAY REPORT</a:t>
             </a:r>
-            <a:endParaRPr sz="900"/>
-          </a:p>
-        </p:txBody>
-      </p:sp>
-      <p:cxnSp>
-        <p:nvCxnSpPr>
-          <p:cNvPr id="74" name="Google Shape;74;p13"/>
-          <p:cNvCxnSpPr>
-            <a:endCxn id="57" idx="2"/>
-          </p:cNvCxnSpPr>
-          <p:nvPr/>
-        </p:nvCxnSpPr>
-        <p:spPr>
-          <a:xfrm>
-            <a:off x="4562197" y="3345591"/>
-            <a:ext cx="3017700" cy="1151700"/>
-          </a:xfrm>
-          <a:prstGeom prst="bentConnector4">
-            <a:avLst>
-              <a:gd name="adj1" fmla="val 436"/>
-              <a:gd name="adj2" fmla="val 120676"/>
-            </a:avLst>
-          </a:prstGeom>
-          <a:noFill/>
-          <a:ln w="9525" cap="flat" cmpd="sng">
-            <a:solidFill>
-              <a:schemeClr val="dk2"/>
-            </a:solidFill>
-            <a:prstDash val="solid"/>
-            <a:round/>
-            <a:headEnd type="triangle" w="med" len="med"/>
-            <a:tailEnd type="none" w="med" len="med"/>
-          </a:ln>
-        </p:spPr>
-      </p:cxnSp>
-      <p:sp>
-        <p:nvSpPr>
-          <p:cNvPr id="75" name="Google Shape;75;p13"/>
-          <p:cNvSpPr txBox="1"/>
-          <p:nvPr/>
-        </p:nvSpPr>
-        <p:spPr>
-          <a:xfrm>
-            <a:off x="4730472" y="4553416"/>
-            <a:ext cx="2137200" cy="323100"/>
-          </a:xfrm>
-          <a:prstGeom prst="rect">
-            <a:avLst/>
-          </a:prstGeom>
-          <a:noFill/>
-          <a:ln>
-            <a:noFill/>
-          </a:ln>
-        </p:spPr>
-        <p:txBody>
-          <a:bodyPr spcFirstLastPara="1" wrap="square" lIns="91425" tIns="91425" rIns="91425" bIns="91425" anchor="t" anchorCtr="0">
-            <a:spAutoFit/>
-          </a:bodyPr>
-          <a:lstStyle/>
-          <a:p>
-            <a:pPr marL="0" lvl="0" indent="0" algn="l" rtl="0">
-              <a:spcBef>
-                <a:spcPts val="0"/>
-              </a:spcBef>
-              <a:spcAft>
-                <a:spcPts val="0"/>
-              </a:spcAft>
-              <a:buNone/>
-            </a:pPr>
-            <a:r>
-              <a:rPr lang="en" sz="900"/>
-              <a:t>PRICE OF ELECTRICITY PER UNIT</a:t>
-            </a:r>
-            <a:endParaRPr sz="900"/>
-          </a:p>
-        </p:txBody>
-      </p:sp>
-      <p:cxnSp>
-        <p:nvCxnSpPr>
-          <p:cNvPr id="76" name="Google Shape;76;p13"/>
-          <p:cNvCxnSpPr>
-            <a:stCxn id="54" idx="5"/>
-            <a:endCxn id="57" idx="1"/>
-          </p:cNvCxnSpPr>
-          <p:nvPr/>
-        </p:nvCxnSpPr>
-        <p:spPr>
-          <a:xfrm rot="-5400000" flipH="1">
-            <a:off x="5363772" y="2631594"/>
-            <a:ext cx="1135500" cy="2190000"/>
-          </a:xfrm>
-          <a:prstGeom prst="bentConnector2">
-            <a:avLst/>
-          </a:prstGeom>
-          <a:noFill/>
-          <a:ln w="9525" cap="flat" cmpd="sng">
-            <a:solidFill>
-              <a:schemeClr val="dk2"/>
-            </a:solidFill>
-            <a:prstDash val="solid"/>
-            <a:round/>
-            <a:headEnd type="none" w="med" len="med"/>
-            <a:tailEnd type="triangle" w="med" len="med"/>
-          </a:ln>
-        </p:spPr>
-      </p:cxnSp>
-      <p:sp>
-        <p:nvSpPr>
-          <p:cNvPr id="77" name="Google Shape;77;p13"/>
-          <p:cNvSpPr txBox="1"/>
-          <p:nvPr/>
-        </p:nvSpPr>
-        <p:spPr>
-          <a:xfrm>
-            <a:off x="5085672" y="4091716"/>
-            <a:ext cx="1426800" cy="461700"/>
-          </a:xfrm>
-          <a:prstGeom prst="rect">
-            <a:avLst/>
-          </a:prstGeom>
-          <a:noFill/>
-          <a:ln>
-            <a:noFill/>
-          </a:ln>
-        </p:spPr>
-        <p:txBody>
-          <a:bodyPr spcFirstLastPara="1" wrap="square" lIns="91425" tIns="91425" rIns="91425" bIns="91425" anchor="t" anchorCtr="0">
-            <a:spAutoFit/>
-          </a:bodyPr>
-          <a:lstStyle/>
-          <a:p>
-            <a:pPr marL="0" lvl="0" indent="0" algn="l" rtl="0">
-              <a:spcBef>
-                <a:spcPts val="0"/>
-              </a:spcBef>
-              <a:spcAft>
-                <a:spcPts val="0"/>
-              </a:spcAft>
-              <a:buNone/>
-            </a:pPr>
-            <a:r>
-              <a:rPr lang="en" sz="900"/>
-              <a:t>UNIT CONSUMPTION IN A PERIOD</a:t>
-            </a:r>
-            <a:endParaRPr sz="900"/>
+            <a:endParaRPr sz="900" dirty="0"/>
           </a:p>
         </p:txBody>
       </p:sp>
@@ -6627,95 +6366,21 @@
       </p:sp>
       <p:cxnSp>
         <p:nvCxnSpPr>
-          <p:cNvPr id="81" name="Google Shape;81;p13"/>
+          <p:cNvPr id="83" name="Google Shape;83;p13"/>
           <p:cNvCxnSpPr>
-            <a:stCxn id="78" idx="2"/>
+            <a:stCxn id="54" idx="5"/>
+            <a:endCxn id="78" idx="2"/>
           </p:cNvCxnSpPr>
           <p:nvPr/>
         </p:nvCxnSpPr>
         <p:spPr>
-          <a:xfrm rot="5400000" flipH="1">
-            <a:off x="6308572" y="1678216"/>
-            <a:ext cx="428400" cy="2873700"/>
+          <a:xfrm rot="16200000" flipH="1">
+            <a:off x="6312861" y="1682505"/>
+            <a:ext cx="170422" cy="3123100"/>
           </a:xfrm>
-          <a:prstGeom prst="bentConnector4">
+          <a:prstGeom prst="bentConnector3">
             <a:avLst>
-              <a:gd name="adj1" fmla="val -55585"/>
-              <a:gd name="adj2" fmla="val 100005"/>
-            </a:avLst>
-          </a:prstGeom>
-          <a:noFill/>
-          <a:ln w="9525" cap="flat" cmpd="sng">
-            <a:solidFill>
-              <a:schemeClr val="dk2"/>
-            </a:solidFill>
-            <a:prstDash val="solid"/>
-            <a:round/>
-            <a:headEnd type="none" w="med" len="med"/>
-            <a:tailEnd type="triangle" w="med" len="med"/>
-          </a:ln>
-        </p:spPr>
-      </p:cxnSp>
-      <p:sp>
-        <p:nvSpPr>
-          <p:cNvPr id="82" name="Google Shape;82;p13"/>
-          <p:cNvSpPr txBox="1"/>
-          <p:nvPr/>
-        </p:nvSpPr>
-        <p:spPr>
-          <a:xfrm>
-            <a:off x="5622372" y="3489666"/>
-            <a:ext cx="1191000" cy="323100"/>
-          </a:xfrm>
-          <a:prstGeom prst="rect">
-            <a:avLst/>
-          </a:prstGeom>
-          <a:noFill/>
-          <a:ln>
-            <a:noFill/>
-          </a:ln>
-        </p:spPr>
-        <p:txBody>
-          <a:bodyPr spcFirstLastPara="1" wrap="square" lIns="91425" tIns="91425" rIns="91425" bIns="91425" anchor="t" anchorCtr="0">
-            <a:spAutoFit/>
-          </a:bodyPr>
-          <a:lstStyle/>
-          <a:p>
-            <a:pPr marL="0" lvl="0" indent="0" algn="l" rtl="0">
-              <a:spcBef>
-                <a:spcPts val="0"/>
-              </a:spcBef>
-              <a:spcAft>
-                <a:spcPts val="0"/>
-              </a:spcAft>
-              <a:buNone/>
-            </a:pPr>
-            <a:r>
-              <a:rPr lang="en" sz="900"/>
-              <a:t>AUTHENTICATE</a:t>
-            </a:r>
-            <a:endParaRPr sz="900"/>
-          </a:p>
-        </p:txBody>
-      </p:sp>
-      <p:cxnSp>
-        <p:nvCxnSpPr>
-          <p:cNvPr id="83" name="Google Shape;83;p13"/>
-          <p:cNvCxnSpPr>
-            <a:stCxn id="54" idx="5"/>
-            <a:endCxn id="78" idx="3"/>
-          </p:cNvCxnSpPr>
-          <p:nvPr/>
-        </p:nvCxnSpPr>
-        <p:spPr>
-          <a:xfrm rot="-5400000">
-            <a:off x="6656772" y="1306194"/>
-            <a:ext cx="32400" cy="3672900"/>
-          </a:xfrm>
-          <a:prstGeom prst="bentConnector4">
-            <a:avLst>
-              <a:gd name="adj1" fmla="val -2354081"/>
-              <a:gd name="adj2" fmla="val 106482"/>
+              <a:gd name="adj1" fmla="val 266851"/>
             </a:avLst>
           </a:prstGeom>
           <a:noFill/>
@@ -6738,8 +6403,8 @@
         </p:nvSpPr>
         <p:spPr>
           <a:xfrm>
-            <a:off x="6512472" y="3812766"/>
-            <a:ext cx="798300" cy="323100"/>
+            <a:off x="5877797" y="3381532"/>
+            <a:ext cx="798300" cy="461635"/>
           </a:xfrm>
           <a:prstGeom prst="rect">
             <a:avLst/>
@@ -6765,47 +6430,70 @@
               <a:buNone/>
             </a:pPr>
             <a:r>
-              <a:rPr lang="en" sz="900"/>
-              <a:t>DETAILS</a:t>
+              <a:rPr lang="en" sz="900" dirty="0" smtClean="0"/>
+              <a:t>CS DETAILS</a:t>
             </a:r>
-            <a:endParaRPr sz="900"/>
+            <a:endParaRPr sz="900" dirty="0"/>
           </a:p>
         </p:txBody>
       </p:sp>
-      <p:sp>
-        <p:nvSpPr>
-          <p:cNvPr id="85" name="Google Shape;85;p13"/>
-          <p:cNvSpPr/>
+      <p:cxnSp>
+        <p:nvCxnSpPr>
+          <p:cNvPr id="45" name="Google Shape;83;p13"/>
+          <p:cNvCxnSpPr>
+            <a:endCxn id="78" idx="2"/>
+          </p:cNvCxnSpPr>
           <p:nvPr/>
-        </p:nvSpPr>
+        </p:nvCxnSpPr>
         <p:spPr>
           <a:xfrm>
-            <a:off x="7521072" y="769266"/>
-            <a:ext cx="1355700" cy="405600"/>
+            <a:off x="4627597" y="3287865"/>
+            <a:ext cx="3332025" cy="41401"/>
           </a:xfrm>
-          <a:prstGeom prst="rect">
-            <a:avLst/>
+          <a:prstGeom prst="bentConnector4">
+            <a:avLst>
+              <a:gd name="adj1" fmla="val 432"/>
+              <a:gd name="adj2" fmla="val 2041869"/>
+            </a:avLst>
           </a:prstGeom>
-          <a:solidFill>
-            <a:schemeClr val="lt2"/>
-          </a:solidFill>
+          <a:noFill/>
           <a:ln w="9525" cap="flat" cmpd="sng">
             <a:solidFill>
               <a:schemeClr val="dk2"/>
             </a:solidFill>
             <a:prstDash val="solid"/>
             <a:round/>
-            <a:headEnd type="none" w="sm" len="sm"/>
-            <a:tailEnd type="none" w="sm" len="sm"/>
+            <a:headEnd type="none" w="med" len="med"/>
+            <a:tailEnd type="triangle" w="med" len="med"/>
+          </a:ln>
+        </p:spPr>
+      </p:cxnSp>
+      <p:sp>
+        <p:nvSpPr>
+          <p:cNvPr id="53" name="Google Shape;84;p13"/>
+          <p:cNvSpPr txBox="1"/>
+          <p:nvPr/>
+        </p:nvSpPr>
+        <p:spPr>
+          <a:xfrm>
+            <a:off x="5822447" y="3920116"/>
+            <a:ext cx="798300" cy="461635"/>
+          </a:xfrm>
+          <a:prstGeom prst="rect">
+            <a:avLst/>
+          </a:prstGeom>
+          <a:noFill/>
+          <a:ln>
+            <a:noFill/>
           </a:ln>
         </p:spPr>
         <p:txBody>
-          <a:bodyPr spcFirstLastPara="1" wrap="square" lIns="91425" tIns="91425" rIns="91425" bIns="91425" anchor="ctr" anchorCtr="0">
-            <a:noAutofit/>
+          <a:bodyPr spcFirstLastPara="1" wrap="square" lIns="91425" tIns="91425" rIns="91425" bIns="91425" anchor="t" anchorCtr="0">
+            <a:spAutoFit/>
           </a:bodyPr>
           <a:lstStyle/>
           <a:p>
-            <a:pPr marL="0" lvl="0" indent="0" algn="ctr" rtl="0">
+            <a:pPr marL="0" lvl="0" indent="0" algn="l" rtl="0">
               <a:spcBef>
                 <a:spcPts val="0"/>
               </a:spcBef>
@@ -6815,26 +6503,25 @@
               <a:buNone/>
             </a:pPr>
             <a:r>
-              <a:rPr lang="en"/>
-              <a:t>EXTERNAL APIS’</a:t>
+              <a:rPr lang="en" sz="900" dirty="0" smtClean="0"/>
+              <a:t>CAR STATUS</a:t>
             </a:r>
-            <a:endParaRPr/>
+            <a:endParaRPr sz="900" dirty="0"/>
           </a:p>
         </p:txBody>
       </p:sp>
       <p:cxnSp>
         <p:nvCxnSpPr>
-          <p:cNvPr id="86" name="Google Shape;86;p13"/>
+          <p:cNvPr id="88" name="Google Shape;83;p13"/>
           <p:cNvCxnSpPr>
-            <a:stCxn id="85" idx="2"/>
-            <a:endCxn id="54" idx="6"/>
+            <a:endCxn id="78" idx="0"/>
           </p:cNvCxnSpPr>
           <p:nvPr/>
         </p:nvCxnSpPr>
         <p:spPr>
-          <a:xfrm rot="5400000">
-            <a:off x="5923422" y="337266"/>
-            <a:ext cx="1437900" cy="3113100"/>
+          <a:xfrm>
+            <a:off x="4990210" y="2256426"/>
+            <a:ext cx="2969412" cy="667240"/>
           </a:xfrm>
           <a:prstGeom prst="bentConnector2">
             <a:avLst/>
@@ -6853,14 +6540,14 @@
       </p:cxnSp>
       <p:sp>
         <p:nvSpPr>
-          <p:cNvPr id="87" name="Google Shape;87;p13"/>
+          <p:cNvPr id="90" name="Google Shape;84;p13"/>
           <p:cNvSpPr txBox="1"/>
           <p:nvPr/>
         </p:nvSpPr>
         <p:spPr>
           <a:xfrm>
-            <a:off x="6446922" y="2324466"/>
-            <a:ext cx="1426800" cy="338700"/>
+            <a:off x="5636491" y="2043977"/>
+            <a:ext cx="798300" cy="461635"/>
           </a:xfrm>
           <a:prstGeom prst="rect">
             <a:avLst/>
@@ -6886,10 +6573,158 @@
               <a:buNone/>
             </a:pPr>
             <a:r>
-              <a:rPr lang="en" sz="1000" dirty="0"/>
-              <a:t>EXTERNAL DATA</a:t>
+              <a:rPr lang="en-IN" sz="900" dirty="0" smtClean="0"/>
+              <a:t>PRICE STATUS</a:t>
+            </a:r>
+            <a:endParaRPr sz="900" dirty="0"/>
+          </a:p>
+        </p:txBody>
+      </p:sp>
+      <p:cxnSp>
+        <p:nvCxnSpPr>
+          <p:cNvPr id="91" name="Google Shape;70;p13"/>
+          <p:cNvCxnSpPr>
+            <a:stCxn id="56" idx="3"/>
+          </p:cNvCxnSpPr>
+          <p:nvPr/>
+        </p:nvCxnSpPr>
+        <p:spPr>
+          <a:xfrm flipV="1">
+            <a:off x="1761547" y="2214687"/>
+            <a:ext cx="1726780" cy="398129"/>
+          </a:xfrm>
+          <a:prstGeom prst="bentConnector3">
+            <a:avLst>
+              <a:gd name="adj1" fmla="val 2401"/>
+            </a:avLst>
+          </a:prstGeom>
+          <a:noFill/>
+          <a:ln w="9525" cap="flat" cmpd="sng">
+            <a:solidFill>
+              <a:schemeClr val="dk2"/>
+            </a:solidFill>
+            <a:prstDash val="solid"/>
+            <a:round/>
+            <a:headEnd type="triangle" w="med" len="med"/>
+            <a:tailEnd type="none" w="med" len="med"/>
+          </a:ln>
+        </p:spPr>
+      </p:cxnSp>
+      <p:sp>
+        <p:nvSpPr>
+          <p:cNvPr id="92" name="Google Shape;65;p13"/>
+          <p:cNvSpPr txBox="1"/>
+          <p:nvPr/>
+        </p:nvSpPr>
+        <p:spPr>
+          <a:xfrm>
+            <a:off x="2143340" y="1978847"/>
+            <a:ext cx="958757" cy="492412"/>
+          </a:xfrm>
+          <a:prstGeom prst="rect">
+            <a:avLst/>
+          </a:prstGeom>
+          <a:noFill/>
+          <a:ln>
+            <a:noFill/>
+          </a:ln>
+        </p:spPr>
+        <p:txBody>
+          <a:bodyPr spcFirstLastPara="1" wrap="square" lIns="91425" tIns="91425" rIns="91425" bIns="91425" anchor="t" anchorCtr="0">
+            <a:spAutoFit/>
+          </a:bodyPr>
+          <a:lstStyle/>
+          <a:p>
+            <a:pPr marL="0" lvl="0" indent="0" algn="l" rtl="0">
+              <a:spcBef>
+                <a:spcPts val="0"/>
+              </a:spcBef>
+              <a:spcAft>
+                <a:spcPts val="0"/>
+              </a:spcAft>
+              <a:buNone/>
+            </a:pPr>
+            <a:r>
+              <a:rPr lang="en" sz="1000" dirty="0" smtClean="0"/>
+              <a:t>CS LOCATION</a:t>
             </a:r>
             <a:endParaRPr sz="1000" dirty="0"/>
+          </a:p>
+        </p:txBody>
+      </p:sp>
+      <p:cxnSp>
+        <p:nvCxnSpPr>
+          <p:cNvPr id="93" name="Google Shape;68;p13"/>
+          <p:cNvCxnSpPr>
+            <a:endCxn id="55" idx="2"/>
+          </p:cNvCxnSpPr>
+          <p:nvPr/>
+        </p:nvCxnSpPr>
+        <p:spPr>
+          <a:xfrm rot="5400000" flipH="1" flipV="1">
+            <a:off x="4208110" y="815379"/>
+            <a:ext cx="1379549" cy="786025"/>
+          </a:xfrm>
+          <a:prstGeom prst="bentConnector3">
+            <a:avLst>
+              <a:gd name="adj1" fmla="val 50000"/>
+            </a:avLst>
+          </a:prstGeom>
+          <a:noFill/>
+          <a:ln w="9525" cap="flat" cmpd="sng">
+            <a:solidFill>
+              <a:schemeClr val="dk2"/>
+            </a:solidFill>
+            <a:prstDash val="solid"/>
+            <a:round/>
+            <a:headEnd type="none" w="med" len="med"/>
+            <a:tailEnd type="triangle" w="med" len="med"/>
+          </a:ln>
+        </p:spPr>
+      </p:cxnSp>
+      <p:sp>
+        <p:nvSpPr>
+          <p:cNvPr id="95" name="Google Shape;71;p13"/>
+          <p:cNvSpPr txBox="1"/>
+          <p:nvPr/>
+        </p:nvSpPr>
+        <p:spPr>
+          <a:xfrm>
+            <a:off x="4582129" y="963881"/>
+            <a:ext cx="1296174" cy="461635"/>
+          </a:xfrm>
+          <a:prstGeom prst="rect">
+            <a:avLst/>
+          </a:prstGeom>
+          <a:noFill/>
+          <a:ln>
+            <a:noFill/>
+          </a:ln>
+        </p:spPr>
+        <p:txBody>
+          <a:bodyPr spcFirstLastPara="1" wrap="square" lIns="91425" tIns="91425" rIns="91425" bIns="91425" anchor="t" anchorCtr="0">
+            <a:spAutoFit/>
+          </a:bodyPr>
+          <a:lstStyle/>
+          <a:p>
+            <a:pPr marL="0" lvl="0" indent="0" algn="l" rtl="0">
+              <a:spcBef>
+                <a:spcPts val="0"/>
+              </a:spcBef>
+              <a:spcAft>
+                <a:spcPts val="0"/>
+              </a:spcAft>
+              <a:buNone/>
+            </a:pPr>
+            <a:r>
+              <a:rPr lang="en" sz="900" dirty="0"/>
+              <a:t>CHARGING </a:t>
+            </a:r>
+            <a:r>
+              <a:rPr lang="en" sz="900" dirty="0" smtClean="0"/>
+              <a:t>STATIONS DETAILS</a:t>
+            </a:r>
+            <a:endParaRPr sz="900" dirty="0"/>
           </a:p>
         </p:txBody>
       </p:sp>
